--- a/description_project/Презентация.pptx
+++ b/description_project/Презентация.pptx
@@ -237,7 +237,7 @@
             <a:fld id="{242E115C-DB9A-B14B-BC56-BF97C1E58CDC}" type="datetimeFigureOut">
               <a:rPr lang="ru-RU" smtClean="0"/>
               <a:pPr/>
-              <a:t>30.01.2024</a:t>
+              <a:t>01.02.2024</a:t>
             </a:fld>
             <a:endParaRPr lang="ru-RU"/>
           </a:p>
@@ -856,7 +856,7 @@
           <a:p>
             <a:fld id="{19A2DF0B-947C-4099-8BD7-E614C990624E}" type="datetime1">
               <a:rPr lang="en-US" smtClean="0"/>
-              <a:t>1/30/2024</a:t>
+              <a:t>2/1/2024</a:t>
             </a:fld>
             <a:endParaRPr lang="en-US" dirty="0"/>
           </a:p>
@@ -1126,7 +1126,7 @@
           <a:p>
             <a:fld id="{0D134BD1-EDC2-45A9-9D56-E8F9E9DE58E2}" type="datetime1">
               <a:rPr lang="en-US" smtClean="0"/>
-              <a:t>1/30/2024</a:t>
+              <a:t>2/1/2024</a:t>
             </a:fld>
             <a:endParaRPr lang="en-US" dirty="0"/>
           </a:p>
@@ -1319,7 +1319,7 @@
           <a:p>
             <a:fld id="{0C6EA745-4A34-4056-A14C-2A403BEB243C}" type="datetime1">
               <a:rPr lang="en-US" smtClean="0"/>
-              <a:t>1/30/2024</a:t>
+              <a:t>2/1/2024</a:t>
             </a:fld>
             <a:endParaRPr lang="en-US" dirty="0"/>
           </a:p>
@@ -1586,7 +1586,7 @@
           <a:p>
             <a:fld id="{0FCDFD0C-6E31-4FDF-96AA-2E319B6AC716}" type="datetime1">
               <a:rPr lang="en-US" smtClean="0"/>
-              <a:t>1/30/2024</a:t>
+              <a:t>2/1/2024</a:t>
             </a:fld>
             <a:endParaRPr lang="en-US" dirty="0"/>
           </a:p>
@@ -1917,7 +1917,7 @@
           <a:p>
             <a:fld id="{2E47DCC1-F17F-44D7-98FD-89212EE360AA}" type="datetime1">
               <a:rPr lang="en-US" smtClean="0"/>
-              <a:t>1/30/2024</a:t>
+              <a:t>2/1/2024</a:t>
             </a:fld>
             <a:endParaRPr lang="en-US" dirty="0"/>
           </a:p>
@@ -2526,7 +2526,7 @@
           <a:p>
             <a:fld id="{B166E977-4E7F-4F02-A002-B0247436D757}" type="datetime1">
               <a:rPr lang="en-US" smtClean="0"/>
-              <a:t>1/30/2024</a:t>
+              <a:t>2/1/2024</a:t>
             </a:fld>
             <a:endParaRPr lang="en-US" dirty="0"/>
           </a:p>
@@ -3360,7 +3360,7 @@
           <a:p>
             <a:fld id="{9298B2A5-26D9-462E-9B51-890C4FE568D1}" type="datetime1">
               <a:rPr lang="en-US" smtClean="0"/>
-              <a:t>1/30/2024</a:t>
+              <a:t>2/1/2024</a:t>
             </a:fld>
             <a:endParaRPr lang="en-US" dirty="0"/>
           </a:p>
@@ -3528,7 +3528,7 @@
           <a:p>
             <a:fld id="{F69FBA40-5DE0-4AAD-9B9D-00CA3C19DD48}" type="datetime1">
               <a:rPr lang="en-US" smtClean="0"/>
-              <a:t>1/30/2024</a:t>
+              <a:t>2/1/2024</a:t>
             </a:fld>
             <a:endParaRPr lang="en-US" dirty="0"/>
           </a:p>
@@ -3706,7 +3706,7 @@
           <a:p>
             <a:fld id="{F23BB48A-EF88-43FC-9561-CCBF0FB5723B}" type="datetime1">
               <a:rPr lang="en-US" smtClean="0"/>
-              <a:t>1/30/2024</a:t>
+              <a:t>2/1/2024</a:t>
             </a:fld>
             <a:endParaRPr lang="en-US" dirty="0"/>
           </a:p>
@@ -3874,7 +3874,7 @@
           <a:p>
             <a:fld id="{33573000-D23E-4E8E-83B5-363A014A4C7E}" type="datetime1">
               <a:rPr lang="en-US" smtClean="0"/>
-              <a:t>1/30/2024</a:t>
+              <a:t>2/1/2024</a:t>
             </a:fld>
             <a:endParaRPr lang="en-US" dirty="0"/>
           </a:p>
@@ -4117,7 +4117,7 @@
           <a:p>
             <a:fld id="{79D3C6D3-91C3-48FD-A8CD-A5C583B3FBDC}" type="datetime1">
               <a:rPr lang="en-US" smtClean="0"/>
-              <a:t>1/30/2024</a:t>
+              <a:t>2/1/2024</a:t>
             </a:fld>
             <a:endParaRPr lang="en-US" dirty="0"/>
           </a:p>
@@ -4406,7 +4406,7 @@
           <a:p>
             <a:fld id="{046EF8D6-F9D0-4887-BBD8-D10DF2E83524}" type="datetime1">
               <a:rPr lang="en-US" smtClean="0"/>
-              <a:t>1/30/2024</a:t>
+              <a:t>2/1/2024</a:t>
             </a:fld>
             <a:endParaRPr lang="en-US" dirty="0"/>
           </a:p>
@@ -4841,7 +4841,7 @@
           <a:p>
             <a:fld id="{4141118D-A3A7-4850-B78D-10F53F6626A8}" type="datetime1">
               <a:rPr lang="en-US" smtClean="0"/>
-              <a:t>1/30/2024</a:t>
+              <a:t>2/1/2024</a:t>
             </a:fld>
             <a:endParaRPr lang="en-US" dirty="0"/>
           </a:p>
@@ -4958,7 +4958,7 @@
           <a:p>
             <a:fld id="{B82C9CC1-C7FE-4C57-8BA2-228CD1707078}" type="datetime1">
               <a:rPr lang="en-US" smtClean="0"/>
-              <a:t>1/30/2024</a:t>
+              <a:t>2/1/2024</a:t>
             </a:fld>
             <a:endParaRPr lang="en-US" dirty="0"/>
           </a:p>
@@ -5053,7 +5053,7 @@
           <a:p>
             <a:fld id="{05D01185-00D9-4969-9285-A4B7C61437EB}" type="datetime1">
               <a:rPr lang="en-US" smtClean="0"/>
-              <a:t>1/30/2024</a:t>
+              <a:t>2/1/2024</a:t>
             </a:fld>
             <a:endParaRPr lang="en-US" dirty="0"/>
           </a:p>
@@ -5330,7 +5330,7 @@
           <a:p>
             <a:fld id="{F2418385-3F2C-4636-8E16-4F065C1202A2}" type="datetime1">
               <a:rPr lang="en-US" smtClean="0"/>
-              <a:t>1/30/2024</a:t>
+              <a:t>2/1/2024</a:t>
             </a:fld>
             <a:endParaRPr lang="en-US" dirty="0"/>
           </a:p>
@@ -5600,7 +5600,7 @@
           <a:p>
             <a:fld id="{37D105C2-2003-4BBE-96D8-F4549432BE15}" type="datetime1">
               <a:rPr lang="en-US" smtClean="0"/>
-              <a:t>1/30/2024</a:t>
+              <a:t>2/1/2024</a:t>
             </a:fld>
             <a:endParaRPr lang="en-US" dirty="0"/>
           </a:p>
@@ -6027,7 +6027,7 @@
           <a:p>
             <a:fld id="{0E64B62E-408E-4B7F-9F87-C8319CF72145}" type="datetime1">
               <a:rPr lang="en-US" smtClean="0"/>
-              <a:t>1/30/2024</a:t>
+              <a:t>2/1/2024</a:t>
             </a:fld>
             <a:endParaRPr lang="en-US" dirty="0"/>
           </a:p>
@@ -7559,7 +7559,7 @@
           <a:p>
             <a:r>
               <a:rPr lang="ru-RU" sz="1600" dirty="0"/>
-              <a:t>В игре стало легко проиграть, поражение засчитывается:</a:t>
+              <a:t>В игре стало легко проиграть. Поражение засчитывается, если:</a:t>
             </a:r>
           </a:p>
           <a:p>
@@ -7568,7 +7568,7 @@
             </a:pPr>
             <a:r>
               <a:rPr lang="ru-RU" sz="1600" dirty="0"/>
-              <a:t>Если перелить жидкость одного цвета в жидкость другого цвета. Значит, играть нужно внимательнее. </a:t>
+              <a:t>Перелить жидкость одного цвета в жидкость другого цвета. Значит, играть нужно внимательнее. </a:t>
             </a:r>
           </a:p>
           <a:p>

--- a/description_project/Презентация.pptx
+++ b/description_project/Презентация.pptx
@@ -237,7 +237,7 @@
             <a:fld id="{242E115C-DB9A-B14B-BC56-BF97C1E58CDC}" type="datetimeFigureOut">
               <a:rPr lang="ru-RU" smtClean="0"/>
               <a:pPr/>
-              <a:t>01.02.2024</a:t>
+              <a:t>03.02.2024</a:t>
             </a:fld>
             <a:endParaRPr lang="ru-RU"/>
           </a:p>
@@ -856,7 +856,7 @@
           <a:p>
             <a:fld id="{19A2DF0B-947C-4099-8BD7-E614C990624E}" type="datetime1">
               <a:rPr lang="en-US" smtClean="0"/>
-              <a:t>2/1/2024</a:t>
+              <a:t>2/3/2024</a:t>
             </a:fld>
             <a:endParaRPr lang="en-US" dirty="0"/>
           </a:p>
@@ -1126,7 +1126,7 @@
           <a:p>
             <a:fld id="{0D134BD1-EDC2-45A9-9D56-E8F9E9DE58E2}" type="datetime1">
               <a:rPr lang="en-US" smtClean="0"/>
-              <a:t>2/1/2024</a:t>
+              <a:t>2/3/2024</a:t>
             </a:fld>
             <a:endParaRPr lang="en-US" dirty="0"/>
           </a:p>
@@ -1319,7 +1319,7 @@
           <a:p>
             <a:fld id="{0C6EA745-4A34-4056-A14C-2A403BEB243C}" type="datetime1">
               <a:rPr lang="en-US" smtClean="0"/>
-              <a:t>2/1/2024</a:t>
+              <a:t>2/3/2024</a:t>
             </a:fld>
             <a:endParaRPr lang="en-US" dirty="0"/>
           </a:p>
@@ -1586,7 +1586,7 @@
           <a:p>
             <a:fld id="{0FCDFD0C-6E31-4FDF-96AA-2E319B6AC716}" type="datetime1">
               <a:rPr lang="en-US" smtClean="0"/>
-              <a:t>2/1/2024</a:t>
+              <a:t>2/3/2024</a:t>
             </a:fld>
             <a:endParaRPr lang="en-US" dirty="0"/>
           </a:p>
@@ -1917,7 +1917,7 @@
           <a:p>
             <a:fld id="{2E47DCC1-F17F-44D7-98FD-89212EE360AA}" type="datetime1">
               <a:rPr lang="en-US" smtClean="0"/>
-              <a:t>2/1/2024</a:t>
+              <a:t>2/3/2024</a:t>
             </a:fld>
             <a:endParaRPr lang="en-US" dirty="0"/>
           </a:p>
@@ -2526,7 +2526,7 @@
           <a:p>
             <a:fld id="{B166E977-4E7F-4F02-A002-B0247436D757}" type="datetime1">
               <a:rPr lang="en-US" smtClean="0"/>
-              <a:t>2/1/2024</a:t>
+              <a:t>2/3/2024</a:t>
             </a:fld>
             <a:endParaRPr lang="en-US" dirty="0"/>
           </a:p>
@@ -3360,7 +3360,7 @@
           <a:p>
             <a:fld id="{9298B2A5-26D9-462E-9B51-890C4FE568D1}" type="datetime1">
               <a:rPr lang="en-US" smtClean="0"/>
-              <a:t>2/1/2024</a:t>
+              <a:t>2/3/2024</a:t>
             </a:fld>
             <a:endParaRPr lang="en-US" dirty="0"/>
           </a:p>
@@ -3528,7 +3528,7 @@
           <a:p>
             <a:fld id="{F69FBA40-5DE0-4AAD-9B9D-00CA3C19DD48}" type="datetime1">
               <a:rPr lang="en-US" smtClean="0"/>
-              <a:t>2/1/2024</a:t>
+              <a:t>2/3/2024</a:t>
             </a:fld>
             <a:endParaRPr lang="en-US" dirty="0"/>
           </a:p>
@@ -3706,7 +3706,7 @@
           <a:p>
             <a:fld id="{F23BB48A-EF88-43FC-9561-CCBF0FB5723B}" type="datetime1">
               <a:rPr lang="en-US" smtClean="0"/>
-              <a:t>2/1/2024</a:t>
+              <a:t>2/3/2024</a:t>
             </a:fld>
             <a:endParaRPr lang="en-US" dirty="0"/>
           </a:p>
@@ -3874,7 +3874,7 @@
           <a:p>
             <a:fld id="{33573000-D23E-4E8E-83B5-363A014A4C7E}" type="datetime1">
               <a:rPr lang="en-US" smtClean="0"/>
-              <a:t>2/1/2024</a:t>
+              <a:t>2/3/2024</a:t>
             </a:fld>
             <a:endParaRPr lang="en-US" dirty="0"/>
           </a:p>
@@ -4117,7 +4117,7 @@
           <a:p>
             <a:fld id="{79D3C6D3-91C3-48FD-A8CD-A5C583B3FBDC}" type="datetime1">
               <a:rPr lang="en-US" smtClean="0"/>
-              <a:t>2/1/2024</a:t>
+              <a:t>2/3/2024</a:t>
             </a:fld>
             <a:endParaRPr lang="en-US" dirty="0"/>
           </a:p>
@@ -4406,7 +4406,7 @@
           <a:p>
             <a:fld id="{046EF8D6-F9D0-4887-BBD8-D10DF2E83524}" type="datetime1">
               <a:rPr lang="en-US" smtClean="0"/>
-              <a:t>2/1/2024</a:t>
+              <a:t>2/3/2024</a:t>
             </a:fld>
             <a:endParaRPr lang="en-US" dirty="0"/>
           </a:p>
@@ -4841,7 +4841,7 @@
           <a:p>
             <a:fld id="{4141118D-A3A7-4850-B78D-10F53F6626A8}" type="datetime1">
               <a:rPr lang="en-US" smtClean="0"/>
-              <a:t>2/1/2024</a:t>
+              <a:t>2/3/2024</a:t>
             </a:fld>
             <a:endParaRPr lang="en-US" dirty="0"/>
           </a:p>
@@ -4958,7 +4958,7 @@
           <a:p>
             <a:fld id="{B82C9CC1-C7FE-4C57-8BA2-228CD1707078}" type="datetime1">
               <a:rPr lang="en-US" smtClean="0"/>
-              <a:t>2/1/2024</a:t>
+              <a:t>2/3/2024</a:t>
             </a:fld>
             <a:endParaRPr lang="en-US" dirty="0"/>
           </a:p>
@@ -5053,7 +5053,7 @@
           <a:p>
             <a:fld id="{05D01185-00D9-4969-9285-A4B7C61437EB}" type="datetime1">
               <a:rPr lang="en-US" smtClean="0"/>
-              <a:t>2/1/2024</a:t>
+              <a:t>2/3/2024</a:t>
             </a:fld>
             <a:endParaRPr lang="en-US" dirty="0"/>
           </a:p>
@@ -5330,7 +5330,7 @@
           <a:p>
             <a:fld id="{F2418385-3F2C-4636-8E16-4F065C1202A2}" type="datetime1">
               <a:rPr lang="en-US" smtClean="0"/>
-              <a:t>2/1/2024</a:t>
+              <a:t>2/3/2024</a:t>
             </a:fld>
             <a:endParaRPr lang="en-US" dirty="0"/>
           </a:p>
@@ -5600,7 +5600,7 @@
           <a:p>
             <a:fld id="{37D105C2-2003-4BBE-96D8-F4549432BE15}" type="datetime1">
               <a:rPr lang="en-US" smtClean="0"/>
-              <a:t>2/1/2024</a:t>
+              <a:t>2/3/2024</a:t>
             </a:fld>
             <a:endParaRPr lang="en-US" dirty="0"/>
           </a:p>
@@ -6027,7 +6027,7 @@
           <a:p>
             <a:fld id="{0E64B62E-408E-4B7F-9F87-C8319CF72145}" type="datetime1">
               <a:rPr lang="en-US" smtClean="0"/>
-              <a:t>2/1/2024</a:t>
+              <a:t>2/3/2024</a:t>
             </a:fld>
             <a:endParaRPr lang="en-US" dirty="0"/>
           </a:p>
@@ -6843,7 +6843,7 @@
             </a:r>
             <a:r>
               <a:rPr lang="ru-RU" sz="2200" dirty="0"/>
-              <a:t>" - игра, где нужно переливать жидкости в бутылках, чтобы в каждой бутылке был только один цвет. Она тренирует способность мыслить стратегически и планировать несколько ходов вперед для решения поставленной головоломки более быстрым способом.</a:t>
+              <a:t>" - игра, в которой нужно переливать жидкости разных цветов в бутылках так, чтобы в каждой бутылке остался только один цвет. Она способствует формированию стратегического мышления и умению планировать несколько шагов вперед для эффективного решения головоломок.</a:t>
             </a:r>
           </a:p>
         </p:txBody>
